--- a/Documents/Suika.Watermelon/수박게임 UI 디자인(박정우).pptx
+++ b/Documents/Suika.Watermelon/수박게임 UI 디자인(박정우).pptx
@@ -24,6 +24,7 @@
     <p:sldId id="272" r:id="rId18"/>
     <p:sldId id="273" r:id="rId19"/>
     <p:sldId id="274" r:id="rId20"/>
+    <p:sldId id="275" r:id="rId21"/>
   </p:sldIdLst>
   <p:sldSz cx="12192000" cy="6858000"/>
   <p:notesSz cx="6858000" cy="9144000"/>
@@ -122,6 +123,11 @@
       </a:defRPr>
     </a:lvl9pPr>
   </p:defaultTextStyle>
+  <p:extLst>
+    <p:ext uri="{EFAFB233-063F-42B5-8137-9DF3F51BA10A}">
+      <p15:sldGuideLst xmlns:p15="http://schemas.microsoft.com/office/powerpoint/2012/main"/>
+    </p:ext>
+  </p:extLst>
 </p:presentation>
 </file>
 
@@ -7435,7 +7441,7 @@
         </p:nvSpPr>
         <p:spPr>
           <a:xfrm>
-            <a:off x="6513980" y="1514940"/>
+            <a:off x="6561839" y="1473175"/>
             <a:ext cx="421340" cy="390081"/>
           </a:xfrm>
           <a:prstGeom prst="rect">
@@ -7759,7 +7765,7 @@
         </p:nvSpPr>
         <p:spPr>
           <a:xfrm>
-            <a:off x="4787156" y="4170776"/>
+            <a:off x="4787156" y="4950601"/>
             <a:ext cx="2052918" cy="412367"/>
           </a:xfrm>
           <a:prstGeom prst="rect">
@@ -7807,7 +7813,7 @@
         </p:nvSpPr>
         <p:spPr>
           <a:xfrm>
-            <a:off x="5013516" y="2790936"/>
+            <a:off x="5011275" y="2869730"/>
             <a:ext cx="627529" cy="593362"/>
           </a:xfrm>
           <a:prstGeom prst="rect">
@@ -7854,7 +7860,7 @@
         </p:nvSpPr>
         <p:spPr>
           <a:xfrm>
-            <a:off x="5983945" y="2796756"/>
+            <a:off x="5983945" y="2870167"/>
             <a:ext cx="627529" cy="593362"/>
           </a:xfrm>
           <a:prstGeom prst="rect">
@@ -7948,8 +7954,8 @@
         </p:nvSpPr>
         <p:spPr>
           <a:xfrm>
-            <a:off x="4787156" y="5228244"/>
-            <a:ext cx="2052918" cy="412367"/>
+            <a:off x="4787156" y="4332490"/>
+            <a:ext cx="981639" cy="412367"/>
           </a:xfrm>
           <a:prstGeom prst="rect">
             <a:avLst/>
@@ -7996,8 +8002,8 @@
         </p:nvSpPr>
         <p:spPr>
           <a:xfrm>
-            <a:off x="4787156" y="4699510"/>
-            <a:ext cx="2052918" cy="412367"/>
+            <a:off x="5885337" y="4332491"/>
+            <a:ext cx="954738" cy="412367"/>
           </a:xfrm>
           <a:prstGeom prst="rect">
             <a:avLst/>
@@ -8044,7 +8050,7 @@
         </p:nvSpPr>
         <p:spPr>
           <a:xfrm>
-            <a:off x="4787156" y="3642041"/>
+            <a:off x="4787156" y="3714380"/>
             <a:ext cx="2052918" cy="412368"/>
           </a:xfrm>
           <a:prstGeom prst="rect">
@@ -9647,6 +9653,98 @@
           </a:p>
         </p:txBody>
       </p:sp>
+      <p:sp>
+        <p:nvSpPr>
+          <p:cNvPr id="3" name="직사각형 2"/>
+          <p:cNvSpPr/>
+          <p:nvPr/>
+        </p:nvSpPr>
+        <p:spPr>
+          <a:xfrm>
+            <a:off x="7123177" y="2500811"/>
+            <a:ext cx="124786" cy="3466593"/>
+          </a:xfrm>
+          <a:prstGeom prst="rect">
+            <a:avLst/>
+          </a:prstGeom>
+          <a:solidFill>
+            <a:schemeClr val="accent4"/>
+          </a:solidFill>
+          <a:ln>
+            <a:noFill/>
+          </a:ln>
+        </p:spPr>
+        <p:style>
+          <a:lnRef idx="0">
+            <a:scrgbClr r="0" g="0" b="0"/>
+          </a:lnRef>
+          <a:fillRef idx="0">
+            <a:scrgbClr r="0" g="0" b="0"/>
+          </a:fillRef>
+          <a:effectRef idx="0">
+            <a:scrgbClr r="0" g="0" b="0"/>
+          </a:effectRef>
+          <a:fontRef idx="minor">
+            <a:schemeClr val="lt1"/>
+          </a:fontRef>
+        </p:style>
+        <p:txBody>
+          <a:bodyPr rtlCol="0" anchor="ctr"/>
+          <a:lstStyle/>
+          <a:p>
+            <a:pPr algn="ctr"/>
+            <a:endParaRPr lang="ko-KR" altLang="en-US"/>
+          </a:p>
+        </p:txBody>
+      </p:sp>
+      <p:sp>
+        <p:nvSpPr>
+          <p:cNvPr id="5" name="직사각형 4"/>
+          <p:cNvSpPr/>
+          <p:nvPr/>
+        </p:nvSpPr>
+        <p:spPr>
+          <a:xfrm>
+            <a:off x="7123177" y="2496264"/>
+            <a:ext cx="124786" cy="1386019"/>
+          </a:xfrm>
+          <a:prstGeom prst="rect">
+            <a:avLst/>
+          </a:prstGeom>
+          <a:solidFill>
+            <a:schemeClr val="accent3"/>
+          </a:solidFill>
+          <a:ln>
+            <a:noFill/>
+          </a:ln>
+        </p:spPr>
+        <p:style>
+          <a:lnRef idx="0">
+            <a:scrgbClr r="0" g="0" b="0"/>
+          </a:lnRef>
+          <a:fillRef idx="0">
+            <a:scrgbClr r="0" g="0" b="0"/>
+          </a:fillRef>
+          <a:effectRef idx="0">
+            <a:scrgbClr r="0" g="0" b="0"/>
+          </a:effectRef>
+          <a:fontRef idx="minor">
+            <a:schemeClr val="lt1"/>
+          </a:fontRef>
+        </p:style>
+        <p:txBody>
+          <a:bodyPr rtlCol="0" anchor="ctr"/>
+          <a:lstStyle/>
+          <a:p>
+            <a:pPr algn="ctr"/>
+            <a:r>
+              <a:rPr lang="ko-KR" altLang="en-US" sz="1000" smtClean="0"/>
+              <a:t>휠</a:t>
+            </a:r>
+            <a:endParaRPr lang="ko-KR" altLang="en-US" sz="1000"/>
+          </a:p>
+        </p:txBody>
+      </p:sp>
     </p:spTree>
     <p:extLst>
       <p:ext uri="{BB962C8B-B14F-4D97-AF65-F5344CB8AC3E}">
@@ -9867,6 +9965,502 @@
     <p:extLst>
       <p:ext uri="{BB962C8B-B14F-4D97-AF65-F5344CB8AC3E}">
         <p14:creationId xmlns:p14="http://schemas.microsoft.com/office/powerpoint/2010/main" val="1210457982"/>
+      </p:ext>
+    </p:extLst>
+  </p:cSld>
+  <p:clrMapOvr>
+    <a:masterClrMapping/>
+  </p:clrMapOvr>
+</p:sld>
+</file>
+
+<file path=ppt/slides/slide20.xml><?xml version="1.0" encoding="utf-8"?>
+<p:sld xmlns:a="http://schemas.openxmlformats.org/drawingml/2006/main" xmlns:r="http://schemas.openxmlformats.org/officeDocument/2006/relationships" xmlns:p="http://schemas.openxmlformats.org/presentationml/2006/main">
+  <p:cSld>
+    <p:spTree>
+      <p:nvGrpSpPr>
+        <p:cNvPr id="1" name=""/>
+        <p:cNvGrpSpPr/>
+        <p:nvPr/>
+      </p:nvGrpSpPr>
+      <p:grpSpPr>
+        <a:xfrm>
+          <a:off x="0" y="0"/>
+          <a:ext cx="0" cy="0"/>
+          <a:chOff x="0" y="0"/>
+          <a:chExt cx="0" cy="0"/>
+        </a:xfrm>
+      </p:grpSpPr>
+      <p:sp>
+        <p:nvSpPr>
+          <p:cNvPr id="2" name="제목 1"/>
+          <p:cNvSpPr>
+            <a:spLocks noGrp="1"/>
+          </p:cNvSpPr>
+          <p:nvPr>
+            <p:ph type="title"/>
+          </p:nvPr>
+        </p:nvSpPr>
+        <p:spPr>
+          <a:xfrm>
+            <a:off x="838200" y="0"/>
+            <a:ext cx="10515600" cy="1325563"/>
+          </a:xfrm>
+        </p:spPr>
+        <p:txBody>
+          <a:bodyPr/>
+          <a:lstStyle/>
+          <a:p>
+            <a:r>
+              <a:rPr lang="ko-KR" altLang="en-US" smtClean="0"/>
+              <a:t>프로젝트 게임 오버 화면</a:t>
+            </a:r>
+            <a:endParaRPr lang="ko-KR" altLang="en-US"/>
+          </a:p>
+        </p:txBody>
+      </p:sp>
+      <p:sp>
+        <p:nvSpPr>
+          <p:cNvPr id="4" name="직사각형 3">
+            <a:extLst>
+              <a:ext uri="{FF2B5EF4-FFF2-40B4-BE49-F238E27FC236}">
+                <a16:creationId xmlns:a16="http://schemas.microsoft.com/office/drawing/2014/main" id="{933F2C64-33B0-A544-84B5-F251F335A3FB}"/>
+              </a:ext>
+            </a:extLst>
+          </p:cNvPr>
+          <p:cNvSpPr/>
+          <p:nvPr/>
+        </p:nvSpPr>
+        <p:spPr>
+          <a:xfrm>
+            <a:off x="4742329" y="1200057"/>
+            <a:ext cx="2707342" cy="5476969"/>
+          </a:xfrm>
+          <a:prstGeom prst="rect">
+            <a:avLst/>
+          </a:prstGeom>
+          <a:ln w="28575"/>
+        </p:spPr>
+        <p:style>
+          <a:lnRef idx="2">
+            <a:schemeClr val="dk1"/>
+          </a:lnRef>
+          <a:fillRef idx="1">
+            <a:schemeClr val="lt1"/>
+          </a:fillRef>
+          <a:effectRef idx="0">
+            <a:schemeClr val="dk1"/>
+          </a:effectRef>
+          <a:fontRef idx="minor">
+            <a:schemeClr val="dk1"/>
+          </a:fontRef>
+        </p:style>
+        <p:txBody>
+          <a:bodyPr rtlCol="0" anchor="ctr"/>
+          <a:lstStyle/>
+          <a:p>
+            <a:pPr algn="ctr"/>
+            <a:endParaRPr lang="ko-KR" altLang="en-US"/>
+          </a:p>
+        </p:txBody>
+      </p:sp>
+      <p:sp>
+        <p:nvSpPr>
+          <p:cNvPr id="7" name="직사각형 6"/>
+          <p:cNvSpPr/>
+          <p:nvPr/>
+        </p:nvSpPr>
+        <p:spPr>
+          <a:xfrm>
+            <a:off x="4742329" y="1200056"/>
+            <a:ext cx="2707342" cy="5476969"/>
+          </a:xfrm>
+          <a:prstGeom prst="rect">
+            <a:avLst/>
+          </a:prstGeom>
+          <a:solidFill>
+            <a:schemeClr val="dk1">
+              <a:alpha val="50000"/>
+            </a:schemeClr>
+          </a:solidFill>
+          <a:ln>
+            <a:noFill/>
+          </a:ln>
+        </p:spPr>
+        <p:style>
+          <a:lnRef idx="0">
+            <a:scrgbClr r="0" g="0" b="0"/>
+          </a:lnRef>
+          <a:fillRef idx="0">
+            <a:scrgbClr r="0" g="0" b="0"/>
+          </a:fillRef>
+          <a:effectRef idx="0">
+            <a:scrgbClr r="0" g="0" b="0"/>
+          </a:effectRef>
+          <a:fontRef idx="minor">
+            <a:schemeClr val="lt1"/>
+          </a:fontRef>
+        </p:style>
+        <p:txBody>
+          <a:bodyPr rtlCol="0" anchor="ctr"/>
+          <a:lstStyle/>
+          <a:p>
+            <a:pPr algn="ctr"/>
+            <a:endParaRPr lang="ko-KR" altLang="en-US"/>
+          </a:p>
+        </p:txBody>
+      </p:sp>
+      <p:sp>
+        <p:nvSpPr>
+          <p:cNvPr id="8" name="직사각형 7">
+            <a:extLst>
+              <a:ext uri="{FF2B5EF4-FFF2-40B4-BE49-F238E27FC236}">
+                <a16:creationId xmlns:a16="http://schemas.microsoft.com/office/drawing/2014/main" id="{ACED1C84-84E9-C677-4C85-1C805C88C841}"/>
+              </a:ext>
+            </a:extLst>
+          </p:cNvPr>
+          <p:cNvSpPr/>
+          <p:nvPr/>
+        </p:nvSpPr>
+        <p:spPr>
+          <a:xfrm>
+            <a:off x="4944036" y="2500811"/>
+            <a:ext cx="2286000" cy="3466593"/>
+          </a:xfrm>
+          <a:prstGeom prst="rect">
+            <a:avLst/>
+          </a:prstGeom>
+        </p:spPr>
+        <p:style>
+          <a:lnRef idx="2">
+            <a:schemeClr val="accent1">
+              <a:shade val="15000"/>
+            </a:schemeClr>
+          </a:lnRef>
+          <a:fillRef idx="1">
+            <a:schemeClr val="accent1"/>
+          </a:fillRef>
+          <a:effectRef idx="0">
+            <a:schemeClr val="accent1"/>
+          </a:effectRef>
+          <a:fontRef idx="minor">
+            <a:schemeClr val="lt1"/>
+          </a:fontRef>
+        </p:style>
+        <p:txBody>
+          <a:bodyPr rtlCol="0" anchor="ctr"/>
+          <a:lstStyle/>
+          <a:p>
+            <a:pPr algn="ctr"/>
+            <a:endParaRPr lang="ko-KR" altLang="en-US"/>
+          </a:p>
+        </p:txBody>
+      </p:sp>
+      <p:sp>
+        <p:nvSpPr>
+          <p:cNvPr id="9" name="직사각형 8">
+            <a:extLst>
+              <a:ext uri="{FF2B5EF4-FFF2-40B4-BE49-F238E27FC236}">
+                <a16:creationId xmlns:a16="http://schemas.microsoft.com/office/drawing/2014/main" id="{42C18694-B151-22EB-FB89-1ABFAE0E7496}"/>
+              </a:ext>
+            </a:extLst>
+          </p:cNvPr>
+          <p:cNvSpPr/>
+          <p:nvPr/>
+        </p:nvSpPr>
+        <p:spPr>
+          <a:xfrm>
+            <a:off x="5275729" y="2196353"/>
+            <a:ext cx="1640541" cy="564776"/>
+          </a:xfrm>
+          <a:prstGeom prst="rect">
+            <a:avLst/>
+          </a:prstGeom>
+        </p:spPr>
+        <p:style>
+          <a:lnRef idx="0">
+            <a:schemeClr val="accent1"/>
+          </a:lnRef>
+          <a:fillRef idx="3">
+            <a:schemeClr val="accent1"/>
+          </a:fillRef>
+          <a:effectRef idx="3">
+            <a:schemeClr val="accent1"/>
+          </a:effectRef>
+          <a:fontRef idx="minor">
+            <a:schemeClr val="lt1"/>
+          </a:fontRef>
+        </p:style>
+        <p:txBody>
+          <a:bodyPr rtlCol="0" anchor="ctr"/>
+          <a:lstStyle/>
+          <a:p>
+            <a:pPr algn="ctr"/>
+            <a:r>
+              <a:rPr lang="ko-KR" altLang="en-US" smtClean="0"/>
+              <a:t>게임 오버</a:t>
+            </a:r>
+            <a:r>
+              <a:rPr lang="en-US" altLang="ko-KR" smtClean="0"/>
+              <a:t>!</a:t>
+            </a:r>
+            <a:endParaRPr lang="ko-KR" altLang="en-US"/>
+          </a:p>
+        </p:txBody>
+      </p:sp>
+      <p:sp>
+        <p:nvSpPr>
+          <p:cNvPr id="10" name="직사각형 9">
+            <a:extLst>
+              <a:ext uri="{FF2B5EF4-FFF2-40B4-BE49-F238E27FC236}">
+                <a16:creationId xmlns:a16="http://schemas.microsoft.com/office/drawing/2014/main" id="{CE0435C8-713B-9485-9A83-4264E13A5DAA}"/>
+              </a:ext>
+            </a:extLst>
+          </p:cNvPr>
+          <p:cNvSpPr/>
+          <p:nvPr/>
+        </p:nvSpPr>
+        <p:spPr>
+          <a:xfrm>
+            <a:off x="5060577" y="3343793"/>
+            <a:ext cx="2052918" cy="412368"/>
+          </a:xfrm>
+          <a:prstGeom prst="rect">
+            <a:avLst/>
+          </a:prstGeom>
+          <a:ln/>
+        </p:spPr>
+        <p:style>
+          <a:lnRef idx="0">
+            <a:schemeClr val="accent6"/>
+          </a:lnRef>
+          <a:fillRef idx="3">
+            <a:schemeClr val="accent6"/>
+          </a:fillRef>
+          <a:effectRef idx="3">
+            <a:schemeClr val="accent6"/>
+          </a:effectRef>
+          <a:fontRef idx="minor">
+            <a:schemeClr val="lt1"/>
+          </a:fontRef>
+        </p:style>
+        <p:txBody>
+          <a:bodyPr rtlCol="0" anchor="ctr"/>
+          <a:lstStyle/>
+          <a:p>
+            <a:pPr algn="ctr"/>
+            <a:r>
+              <a:rPr lang="ko-KR" altLang="en-US" sz="2000"/>
+              <a:t>내 기록</a:t>
+            </a:r>
+          </a:p>
+        </p:txBody>
+      </p:sp>
+      <p:sp>
+        <p:nvSpPr>
+          <p:cNvPr id="11" name="직사각형 10">
+            <a:extLst>
+              <a:ext uri="{FF2B5EF4-FFF2-40B4-BE49-F238E27FC236}">
+                <a16:creationId xmlns:a16="http://schemas.microsoft.com/office/drawing/2014/main" id="{CE0435C8-713B-9485-9A83-4264E13A5DAA}"/>
+              </a:ext>
+            </a:extLst>
+          </p:cNvPr>
+          <p:cNvSpPr/>
+          <p:nvPr/>
+        </p:nvSpPr>
+        <p:spPr>
+          <a:xfrm>
+            <a:off x="5221225" y="3914260"/>
+            <a:ext cx="1731622" cy="196711"/>
+          </a:xfrm>
+          <a:prstGeom prst="rect">
+            <a:avLst/>
+          </a:prstGeom>
+          <a:ln/>
+        </p:spPr>
+        <p:style>
+          <a:lnRef idx="0">
+            <a:schemeClr val="accent6"/>
+          </a:lnRef>
+          <a:fillRef idx="3">
+            <a:schemeClr val="accent6"/>
+          </a:fillRef>
+          <a:effectRef idx="3">
+            <a:schemeClr val="accent6"/>
+          </a:effectRef>
+          <a:fontRef idx="minor">
+            <a:schemeClr val="lt1"/>
+          </a:fontRef>
+        </p:style>
+        <p:txBody>
+          <a:bodyPr rtlCol="0" anchor="ctr"/>
+          <a:lstStyle/>
+          <a:p>
+            <a:pPr algn="ctr"/>
+            <a:r>
+              <a:rPr lang="ko-KR" altLang="en-US" sz="1200" smtClean="0"/>
+              <a:t>최고 기록</a:t>
+            </a:r>
+            <a:endParaRPr lang="ko-KR" altLang="en-US" sz="1200"/>
+          </a:p>
+        </p:txBody>
+      </p:sp>
+      <p:sp>
+        <p:nvSpPr>
+          <p:cNvPr id="12" name="직사각형 11">
+            <a:extLst>
+              <a:ext uri="{FF2B5EF4-FFF2-40B4-BE49-F238E27FC236}">
+                <a16:creationId xmlns:a16="http://schemas.microsoft.com/office/drawing/2014/main" id="{3FEC9AA5-D11D-D7BD-6D7F-81151D4A5EFC}"/>
+              </a:ext>
+            </a:extLst>
+          </p:cNvPr>
+          <p:cNvSpPr/>
+          <p:nvPr/>
+        </p:nvSpPr>
+        <p:spPr>
+          <a:xfrm>
+            <a:off x="5116436" y="5036380"/>
+            <a:ext cx="887330" cy="412367"/>
+          </a:xfrm>
+          <a:prstGeom prst="rect">
+            <a:avLst/>
+          </a:prstGeom>
+          <a:ln/>
+        </p:spPr>
+        <p:style>
+          <a:lnRef idx="0">
+            <a:schemeClr val="accent6"/>
+          </a:lnRef>
+          <a:fillRef idx="3">
+            <a:schemeClr val="accent6"/>
+          </a:fillRef>
+          <a:effectRef idx="3">
+            <a:schemeClr val="accent6"/>
+          </a:effectRef>
+          <a:fontRef idx="minor">
+            <a:schemeClr val="lt1"/>
+          </a:fontRef>
+        </p:style>
+        <p:txBody>
+          <a:bodyPr rtlCol="0" anchor="ctr"/>
+          <a:lstStyle/>
+          <a:p>
+            <a:pPr algn="ctr"/>
+            <a:r>
+              <a:rPr lang="ko-KR" altLang="en-US" sz="1600" smtClean="0"/>
+              <a:t>홈으로</a:t>
+            </a:r>
+            <a:endParaRPr lang="ko-KR" altLang="en-US" sz="1600"/>
+          </a:p>
+        </p:txBody>
+      </p:sp>
+      <p:sp>
+        <p:nvSpPr>
+          <p:cNvPr id="13" name="직사각형 12">
+            <a:extLst>
+              <a:ext uri="{FF2B5EF4-FFF2-40B4-BE49-F238E27FC236}">
+                <a16:creationId xmlns:a16="http://schemas.microsoft.com/office/drawing/2014/main" id="{3FEC9AA5-D11D-D7BD-6D7F-81151D4A5EFC}"/>
+              </a:ext>
+            </a:extLst>
+          </p:cNvPr>
+          <p:cNvSpPr/>
+          <p:nvPr/>
+        </p:nvSpPr>
+        <p:spPr>
+          <a:xfrm>
+            <a:off x="6173236" y="5036379"/>
+            <a:ext cx="887330" cy="412367"/>
+          </a:xfrm>
+          <a:prstGeom prst="rect">
+            <a:avLst/>
+          </a:prstGeom>
+          <a:ln/>
+        </p:spPr>
+        <p:style>
+          <a:lnRef idx="0">
+            <a:schemeClr val="accent6"/>
+          </a:lnRef>
+          <a:fillRef idx="3">
+            <a:schemeClr val="accent6"/>
+          </a:fillRef>
+          <a:effectRef idx="3">
+            <a:schemeClr val="accent6"/>
+          </a:effectRef>
+          <a:fontRef idx="minor">
+            <a:schemeClr val="lt1"/>
+          </a:fontRef>
+        </p:style>
+        <p:txBody>
+          <a:bodyPr rtlCol="0" anchor="ctr"/>
+          <a:lstStyle/>
+          <a:p>
+            <a:pPr algn="ctr"/>
+            <a:r>
+              <a:rPr lang="ko-KR" altLang="en-US" sz="1600" smtClean="0"/>
+              <a:t>재시도</a:t>
+            </a:r>
+            <a:endParaRPr lang="ko-KR" altLang="en-US" sz="1600"/>
+          </a:p>
+        </p:txBody>
+      </p:sp>
+      <p:sp>
+        <p:nvSpPr>
+          <p:cNvPr id="14" name="직사각형 13"/>
+          <p:cNvSpPr/>
+          <p:nvPr/>
+        </p:nvSpPr>
+        <p:spPr>
+          <a:xfrm>
+            <a:off x="5376672" y="1402546"/>
+            <a:ext cx="1519517" cy="587623"/>
+          </a:xfrm>
+          <a:prstGeom prst="rect">
+            <a:avLst/>
+          </a:prstGeom>
+          <a:noFill/>
+          <a:ln>
+            <a:noFill/>
+          </a:ln>
+        </p:spPr>
+        <p:style>
+          <a:lnRef idx="0">
+            <a:scrgbClr r="0" g="0" b="0"/>
+          </a:lnRef>
+          <a:fillRef idx="0">
+            <a:scrgbClr r="0" g="0" b="0"/>
+          </a:fillRef>
+          <a:effectRef idx="0">
+            <a:scrgbClr r="0" g="0" b="0"/>
+          </a:effectRef>
+          <a:fontRef idx="minor">
+            <a:schemeClr val="dk1"/>
+          </a:fontRef>
+        </p:style>
+        <p:txBody>
+          <a:bodyPr rtlCol="0" anchor="ctr"/>
+          <a:lstStyle/>
+          <a:p>
+            <a:pPr algn="ctr"/>
+            <a:r>
+              <a:rPr lang="ko-KR" altLang="en-US" smtClean="0">
+                <a:solidFill>
+                  <a:schemeClr val="bg1"/>
+                </a:solidFill>
+              </a:rPr>
+              <a:t>어둡게</a:t>
+            </a:r>
+            <a:endParaRPr lang="ko-KR" altLang="en-US">
+              <a:solidFill>
+                <a:schemeClr val="bg1"/>
+              </a:solidFill>
+            </a:endParaRPr>
+          </a:p>
+        </p:txBody>
+      </p:sp>
+    </p:spTree>
+    <p:extLst>
+      <p:ext uri="{BB962C8B-B14F-4D97-AF65-F5344CB8AC3E}">
+        <p14:creationId xmlns:p14="http://schemas.microsoft.com/office/powerpoint/2010/main" val="904353242"/>
       </p:ext>
     </p:extLst>
   </p:cSld>
